--- a/ARTEMIS II  &  YOU DEMO PPT.pptx
+++ b/ARTEMIS II  &  YOU DEMO PPT.pptx
@@ -10,10 +10,8 @@
     <p:sldId id="262" r:id="rId4"/>
     <p:sldId id="258" r:id="rId5"/>
     <p:sldId id="259" r:id="rId6"/>
-    <p:sldId id="260" r:id="rId7"/>
-    <p:sldId id="263" r:id="rId8"/>
-    <p:sldId id="264" r:id="rId9"/>
-    <p:sldId id="261" r:id="rId10"/>
+    <p:sldId id="264" r:id="rId7"/>
+    <p:sldId id="261" r:id="rId8"/>
   </p:sldIdLst>
   <p:sldSz cx="12192000" cy="6858000"/>
   <p:notesSz cx="6858000" cy="9144000"/>
@@ -112,6 +110,11 @@
       </a:defRPr>
     </a:lvl9pPr>
   </p:defaultTextStyle>
+  <p:extLst>
+    <p:ext uri="{EFAFB233-063F-42B5-8137-9DF3F51BA10A}">
+      <p15:sldGuideLst xmlns:p15="http://schemas.microsoft.com/office/powerpoint/2012/main"/>
+    </p:ext>
+  </p:extLst>
 </p:presentation>
 </file>
 
@@ -3728,7 +3731,7 @@
       </p:sp>
       <p:pic>
         <p:nvPicPr>
-          <p:cNvPr id="4" name="Content Placeholder 3" descr="A diagram of the moon&#10;&#10;Description automatically generated">
+          <p:cNvPr id="4" name="Content Placeholder 3" descr="Artemis II fight plan">
             <a:extLst>
               <a:ext uri="{FF2B5EF4-FFF2-40B4-BE49-F238E27FC236}">
                 <a16:creationId xmlns:a16="http://schemas.microsoft.com/office/drawing/2014/main" id="{96249E14-E593-5A5C-80CE-567DF3200438}"/>
@@ -4047,7 +4050,7 @@
         </p:blipFill>
         <p:spPr>
           <a:xfrm>
-            <a:off x="940689" y="1892809"/>
+            <a:off x="940689" y="1932138"/>
             <a:ext cx="6172200" cy="4965192"/>
           </a:xfrm>
         </p:spPr>
@@ -4103,6 +4106,16 @@
           </a:p>
           <a:p>
             <a:pPr algn="l"/>
+            <a:endParaRPr lang="en-GB" b="1" i="0" dirty="0">
+              <a:solidFill>
+                <a:srgbClr val="000000"/>
+              </a:solidFill>
+              <a:effectLst/>
+              <a:latin typeface="inter"/>
+            </a:endParaRPr>
+          </a:p>
+          <a:p>
+            <a:pPr algn="l"/>
             <a:r>
               <a:rPr lang="en-GB" b="1" i="0" dirty="0">
                 <a:solidFill>
@@ -4129,6 +4142,16 @@
           </a:p>
           <a:p>
             <a:pPr algn="l"/>
+            <a:endParaRPr lang="en-GB" b="1" i="0" dirty="0">
+              <a:solidFill>
+                <a:srgbClr val="000000"/>
+              </a:solidFill>
+              <a:effectLst/>
+              <a:latin typeface="inter"/>
+            </a:endParaRPr>
+          </a:p>
+          <a:p>
+            <a:pPr algn="l"/>
             <a:r>
               <a:rPr lang="en-GB" b="1" i="0" dirty="0">
                 <a:solidFill>
@@ -4152,6 +4175,16 @@
               </a:rPr>
               <a:t>Mission Specialist</a:t>
             </a:r>
+          </a:p>
+          <a:p>
+            <a:pPr algn="l"/>
+            <a:endParaRPr lang="en-GB" b="1" i="0" dirty="0">
+              <a:solidFill>
+                <a:srgbClr val="000000"/>
+              </a:solidFill>
+              <a:effectLst/>
+              <a:latin typeface="inter"/>
+            </a:endParaRPr>
           </a:p>
           <a:p>
             <a:pPr algn="l"/>
@@ -4261,252 +4294,6 @@
           <p:cNvPr id="2" name="Title 1">
             <a:extLst>
               <a:ext uri="{FF2B5EF4-FFF2-40B4-BE49-F238E27FC236}">
-                <a16:creationId xmlns:a16="http://schemas.microsoft.com/office/drawing/2014/main" id="{15E4405E-DFBD-FB11-02E5-D008C1BC2BDD}"/>
-              </a:ext>
-            </a:extLst>
-          </p:cNvPr>
-          <p:cNvSpPr>
-            <a:spLocks noGrp="1"/>
-          </p:cNvSpPr>
-          <p:nvPr>
-            <p:ph type="ctrTitle"/>
-          </p:nvPr>
-        </p:nvSpPr>
-        <p:spPr>
-          <a:xfrm>
-            <a:off x="1524000" y="1122362"/>
-            <a:ext cx="9144000" cy="4565206"/>
-          </a:xfrm>
-        </p:spPr>
-        <p:txBody>
-          <a:bodyPr>
-            <a:noAutofit/>
-          </a:bodyPr>
-          <a:lstStyle/>
-          <a:p>
-            <a:pPr algn="l"/>
-            <a:r>
-              <a:rPr lang="en-GB" sz="2400" dirty="0"/>
-              <a:t>The Artemis II crew is a diverse crew made up of a Canadian, a woman, a person of colour and an American. This is as important scientifically as it is culturally being a huge step towards the humans to Mars initiative and also diversity and inclusion in future projects.</a:t>
-            </a:r>
-            <a:br>
-              <a:rPr lang="en-GB" sz="2400" dirty="0"/>
-            </a:br>
-            <a:r>
-              <a:rPr lang="en-GB" sz="2400" dirty="0"/>
-              <a:t> </a:t>
-            </a:r>
-            <a:br>
-              <a:rPr lang="en-GB" sz="2400" dirty="0"/>
-            </a:br>
-            <a:r>
-              <a:rPr lang="en-GB" sz="2400" dirty="0"/>
-              <a:t>The Artemis II crew will inspire a new generation of explorers,  uncover new scientific discovery, economic benefit. </a:t>
-            </a:r>
-            <a:br>
-              <a:rPr lang="en-GB" sz="2400" dirty="0"/>
-            </a:br>
-            <a:r>
-              <a:rPr lang="en-GB" sz="2400" dirty="0"/>
-              <a:t>I believe exploration of the moon will give us more insight into our universe, other planetary bodies and a chance for global collaboration. </a:t>
-            </a:r>
-            <a:br>
-              <a:rPr lang="en-GB" sz="2400" dirty="0"/>
-            </a:br>
-            <a:br>
-              <a:rPr lang="en-US" sz="2800" dirty="0"/>
-            </a:br>
-            <a:endParaRPr lang="en-NG" sz="2800" dirty="0"/>
-          </a:p>
-        </p:txBody>
-      </p:sp>
-    </p:spTree>
-    <p:extLst>
-      <p:ext uri="{BB962C8B-B14F-4D97-AF65-F5344CB8AC3E}">
-        <p14:creationId xmlns:p14="http://schemas.microsoft.com/office/powerpoint/2010/main" val="2995779081"/>
-      </p:ext>
-    </p:extLst>
-  </p:cSld>
-  <p:clrMapOvr>
-    <a:masterClrMapping/>
-  </p:clrMapOvr>
-</p:sld>
-</file>
-
-<file path=ppt/slides/slide7.xml><?xml version="1.0" encoding="utf-8"?>
-<p:sld xmlns:a="http://schemas.openxmlformats.org/drawingml/2006/main" xmlns:r="http://schemas.openxmlformats.org/officeDocument/2006/relationships" xmlns:p="http://schemas.openxmlformats.org/presentationml/2006/main">
-  <p:cSld>
-    <p:bg>
-      <p:bgPr>
-        <a:blipFill>
-          <a:blip r:embed="rId2">
-            <a:alphaModFix amt="45000"/>
-          </a:blip>
-          <a:stretch>
-            <a:fillRect/>
-          </a:stretch>
-        </a:blipFill>
-        <a:effectLst/>
-      </p:bgPr>
-    </p:bg>
-    <p:spTree>
-      <p:nvGrpSpPr>
-        <p:cNvPr id="1" name=""/>
-        <p:cNvGrpSpPr/>
-        <p:nvPr/>
-      </p:nvGrpSpPr>
-      <p:grpSpPr>
-        <a:xfrm>
-          <a:off x="0" y="0"/>
-          <a:ext cx="0" cy="0"/>
-          <a:chOff x="0" y="0"/>
-          <a:chExt cx="0" cy="0"/>
-        </a:xfrm>
-      </p:grpSpPr>
-      <p:sp>
-        <p:nvSpPr>
-          <p:cNvPr id="2" name="Title 1">
-            <a:extLst>
-              <a:ext uri="{FF2B5EF4-FFF2-40B4-BE49-F238E27FC236}">
-                <a16:creationId xmlns:a16="http://schemas.microsoft.com/office/drawing/2014/main" id="{F21615B1-8D43-0D1D-52CE-22D666BC3B44}"/>
-              </a:ext>
-            </a:extLst>
-          </p:cNvPr>
-          <p:cNvSpPr>
-            <a:spLocks noGrp="1"/>
-          </p:cNvSpPr>
-          <p:nvPr>
-            <p:ph type="title"/>
-          </p:nvPr>
-        </p:nvSpPr>
-        <p:spPr/>
-        <p:txBody>
-          <a:bodyPr/>
-          <a:lstStyle/>
-          <a:p>
-            <a:pPr algn="ctr"/>
-            <a:r>
-              <a:rPr lang="en-US" dirty="0">
-                <a:solidFill>
-                  <a:srgbClr val="C55A11"/>
-                </a:solidFill>
-              </a:rPr>
-              <a:t>Inspiring Others</a:t>
-            </a:r>
-            <a:endParaRPr lang="en-NG" dirty="0">
-              <a:solidFill>
-                <a:srgbClr val="C55A11"/>
-              </a:solidFill>
-            </a:endParaRPr>
-          </a:p>
-        </p:txBody>
-      </p:sp>
-      <p:sp>
-        <p:nvSpPr>
-          <p:cNvPr id="3" name="Content Placeholder 2">
-            <a:extLst>
-              <a:ext uri="{FF2B5EF4-FFF2-40B4-BE49-F238E27FC236}">
-                <a16:creationId xmlns:a16="http://schemas.microsoft.com/office/drawing/2014/main" id="{4AA11253-8986-C8A4-4B05-E67918F5C34B}"/>
-              </a:ext>
-            </a:extLst>
-          </p:cNvPr>
-          <p:cNvSpPr>
-            <a:spLocks noGrp="1"/>
-          </p:cNvSpPr>
-          <p:nvPr>
-            <p:ph idx="1"/>
-          </p:nvPr>
-        </p:nvSpPr>
-        <p:spPr/>
-        <p:txBody>
-          <a:bodyPr>
-            <a:normAutofit fontScale="92500" lnSpcReduction="20000"/>
-          </a:bodyPr>
-          <a:lstStyle/>
-          <a:p>
-            <a:pPr marL="0" indent="0">
-              <a:buNone/>
-            </a:pPr>
-            <a:r>
-              <a:rPr lang="en-GB" dirty="0"/>
-              <a:t>As a young boy from Western Africa, I always wondered what </a:t>
-            </a:r>
-            <a:r>
-              <a:rPr lang="en-GB" dirty="0" err="1"/>
-              <a:t>mystries</a:t>
-            </a:r>
-            <a:r>
-              <a:rPr lang="en-GB" dirty="0"/>
-              <a:t> the night skies held, and often times I would stargaze connecting constellations while waiting for a shooting star, I never knew someday I would get the opportunity to present before the bright minds from the NASA. Being part of the Artemis generation is a </a:t>
-            </a:r>
-            <a:r>
-              <a:rPr lang="en-GB" dirty="0" err="1"/>
-              <a:t>priviledge</a:t>
-            </a:r>
-            <a:r>
-              <a:rPr lang="en-GB" dirty="0"/>
-              <a:t> because not only do we get to witness a historic feat in the advancement of space exploration but also get a feel of belonging with the Artemis diversity and inclusion initiative.</a:t>
-            </a:r>
-          </a:p>
-          <a:p>
-            <a:pPr marL="0" indent="0">
-              <a:buNone/>
-            </a:pPr>
-            <a:r>
-              <a:rPr lang="en-GB" dirty="0"/>
-              <a:t>Now when the little boy from my community sees a man of colour just like him in the Orion space suit, he knows its okay to dream and the moon is never out of his reach. The young lady from my community will not shield her ambitions of going to space because she sees a female astronaut on her way to making history, because in her words, "if she can do it, so can I",. And like a beacon of hope, The Artemis II mission will motivate people towards STEM careers, bringing out the fun and interesting parts of science.   </a:t>
-            </a:r>
-          </a:p>
-        </p:txBody>
-      </p:sp>
-    </p:spTree>
-    <p:extLst>
-      <p:ext uri="{BB962C8B-B14F-4D97-AF65-F5344CB8AC3E}">
-        <p14:creationId xmlns:p14="http://schemas.microsoft.com/office/powerpoint/2010/main" val="3279511397"/>
-      </p:ext>
-    </p:extLst>
-  </p:cSld>
-  <p:clrMapOvr>
-    <a:masterClrMapping/>
-  </p:clrMapOvr>
-</p:sld>
-</file>
-
-<file path=ppt/slides/slide8.xml><?xml version="1.0" encoding="utf-8"?>
-<p:sld xmlns:a="http://schemas.openxmlformats.org/drawingml/2006/main" xmlns:r="http://schemas.openxmlformats.org/officeDocument/2006/relationships" xmlns:p="http://schemas.openxmlformats.org/presentationml/2006/main">
-  <p:cSld>
-    <p:bg>
-      <p:bgPr>
-        <a:blipFill>
-          <a:blip r:embed="rId2">
-            <a:alphaModFix amt="45000"/>
-          </a:blip>
-          <a:stretch>
-            <a:fillRect/>
-          </a:stretch>
-        </a:blipFill>
-        <a:effectLst/>
-      </p:bgPr>
-    </p:bg>
-    <p:spTree>
-      <p:nvGrpSpPr>
-        <p:cNvPr id="1" name=""/>
-        <p:cNvGrpSpPr/>
-        <p:nvPr/>
-      </p:nvGrpSpPr>
-      <p:grpSpPr>
-        <a:xfrm>
-          <a:off x="0" y="0"/>
-          <a:ext cx="0" cy="0"/>
-          <a:chOff x="0" y="0"/>
-          <a:chExt cx="0" cy="0"/>
-        </a:xfrm>
-      </p:grpSpPr>
-      <p:sp>
-        <p:nvSpPr>
-          <p:cNvPr id="2" name="Title 1">
-            <a:extLst>
-              <a:ext uri="{FF2B5EF4-FFF2-40B4-BE49-F238E27FC236}">
                 <a16:creationId xmlns:a16="http://schemas.microsoft.com/office/drawing/2014/main" id="{148DBC8C-D059-9DA4-AEEC-B1E34E85D75A}"/>
               </a:ext>
             </a:extLst>
@@ -4572,7 +4359,6 @@
                   <a:srgbClr val="1B1B1B"/>
                 </a:solidFill>
                 <a:effectLst/>
-                <a:latin typeface="__Fira_Sans_50a381"/>
               </a:rPr>
               <a:t>The Artemis program is not just about landing humans on the Moon; it is also about inspiring people around the world to dream big and pursue their passions. The program aims to create new opportunities for people from diverse backgrounds to participate in space exploration . When young boys and girls from my community see people who look like them in space suits, I know that it is okay to dream big and that nothing is impossible. They can aspire to become astronauts, scientists, or engineers themselves and contribute to humanity’s progress in space exploration .</a:t>
             </a:r>
@@ -4587,7 +4373,6 @@
                   <a:srgbClr val="1B1B1B"/>
                 </a:solidFill>
                 <a:effectLst/>
-                <a:latin typeface="__Fira_Sans_50a381"/>
               </a:rPr>
               <a:t>The Artemis program has already had a significant impact on communities around the world. It has inspired people to pursue careers in science, technology, engineering, and mathematics (STEM) fields . It has also created new opportunities for international collaboration and partnerships between countries . The program has sparked public interest in space exploration and generated excitement about what humans can achieve when they work together towards a common goal .</a:t>
             </a:r>
@@ -4610,7 +4395,7 @@
 </p:sld>
 </file>
 
-<file path=ppt/slides/slide9.xml><?xml version="1.0" encoding="utf-8"?>
+<file path=ppt/slides/slide7.xml><?xml version="1.0" encoding="utf-8"?>
 <p:sld xmlns:a="http://schemas.openxmlformats.org/drawingml/2006/main" xmlns:r="http://schemas.openxmlformats.org/officeDocument/2006/relationships" xmlns:p="http://schemas.openxmlformats.org/presentationml/2006/main">
   <p:cSld>
     <p:bg>
